--- a/quick start.pptx
+++ b/quick start.pptx
@@ -3609,7 +3609,15 @@
           <a:p>
             <a:r>
               <a:rPr lang="en-US" dirty="0"/>
-              <a:t>5, configure your own devices/pulse/experiment, and run measurement</a:t>
+              <a:t>5, configure your own devices</a:t>
+            </a:r>
+            <a:r>
+              <a:rPr lang="en-US"/>
+              <a:t>/pulses/experiments, </a:t>
+            </a:r>
+            <a:r>
+              <a:rPr lang="en-US" dirty="0"/>
+              <a:t>and run measurement</a:t>
             </a:r>
           </a:p>
         </p:txBody>
